--- a/yonergeler/part 4 instructions.pptx
+++ b/yonergeler/part 4 instructions.pptx
@@ -237,7 +237,7 @@
           <a:p>
             <a:fld id="{BC17B131-F5DB-48B6-9CA8-EF77E6FC8058}" type="datetimeFigureOut">
               <a:rPr lang="en-US" smtClean="0"/>
-              <a:t>12/25/2020</a:t>
+              <a:t>12/26/2020</a:t>
             </a:fld>
             <a:endParaRPr lang="en-US"/>
           </a:p>
@@ -651,7 +651,7 @@
           <a:p>
             <a:fld id="{0E6AC836-B1CF-4DD7-B1E9-F449F225675C}" type="datetime1">
               <a:rPr lang="en-US" smtClean="0"/>
-              <a:t>12/25/2020</a:t>
+              <a:t>12/26/2020</a:t>
             </a:fld>
             <a:endParaRPr lang="en-US"/>
           </a:p>
@@ -849,7 +849,7 @@
           <a:p>
             <a:fld id="{84162F30-CA61-4700-868D-17D5A3EA9AB9}" type="datetime1">
               <a:rPr lang="en-US" smtClean="0"/>
-              <a:t>12/25/2020</a:t>
+              <a:t>12/26/2020</a:t>
             </a:fld>
             <a:endParaRPr lang="en-US"/>
           </a:p>
@@ -1057,7 +1057,7 @@
           <a:p>
             <a:fld id="{01F571B7-68B6-4423-B380-2582CB4BFE22}" type="datetime1">
               <a:rPr lang="en-US" smtClean="0"/>
-              <a:t>12/25/2020</a:t>
+              <a:t>12/26/2020</a:t>
             </a:fld>
             <a:endParaRPr lang="en-US"/>
           </a:p>
@@ -1255,7 +1255,7 @@
           <a:p>
             <a:fld id="{918542E8-E72C-4167-905C-E8A6D21D9665}" type="datetime1">
               <a:rPr lang="en-US" smtClean="0"/>
-              <a:t>12/25/2020</a:t>
+              <a:t>12/26/2020</a:t>
             </a:fld>
             <a:endParaRPr lang="en-US"/>
           </a:p>
@@ -1530,7 +1530,7 @@
           <a:p>
             <a:fld id="{01F14667-69A9-4D52-8FF4-BA0316E326D6}" type="datetime1">
               <a:rPr lang="en-US" smtClean="0"/>
-              <a:t>12/25/2020</a:t>
+              <a:t>12/26/2020</a:t>
             </a:fld>
             <a:endParaRPr lang="en-US"/>
           </a:p>
@@ -1795,7 +1795,7 @@
           <a:p>
             <a:fld id="{C41A98D1-49D2-40E6-9589-2E1A657C24D0}" type="datetime1">
               <a:rPr lang="en-US" smtClean="0"/>
-              <a:t>12/25/2020</a:t>
+              <a:t>12/26/2020</a:t>
             </a:fld>
             <a:endParaRPr lang="en-US"/>
           </a:p>
@@ -2207,7 +2207,7 @@
           <a:p>
             <a:fld id="{3306A7FB-039D-4A44-849B-E77EF0F9C486}" type="datetime1">
               <a:rPr lang="en-US" smtClean="0"/>
-              <a:t>12/25/2020</a:t>
+              <a:t>12/26/2020</a:t>
             </a:fld>
             <a:endParaRPr lang="en-US"/>
           </a:p>
@@ -2348,7 +2348,7 @@
           <a:p>
             <a:fld id="{87D51EA9-A1F8-4D5E-A780-653E2F8FC7D2}" type="datetime1">
               <a:rPr lang="en-US" smtClean="0"/>
-              <a:t>12/25/2020</a:t>
+              <a:t>12/26/2020</a:t>
             </a:fld>
             <a:endParaRPr lang="en-US"/>
           </a:p>
@@ -2461,7 +2461,7 @@
           <a:p>
             <a:fld id="{9E29ADD1-0819-4A43-8E4D-22C1AD1D1A5E}" type="datetime1">
               <a:rPr lang="en-US" smtClean="0"/>
-              <a:t>12/25/2020</a:t>
+              <a:t>12/26/2020</a:t>
             </a:fld>
             <a:endParaRPr lang="en-US"/>
           </a:p>
@@ -2772,7 +2772,7 @@
           <a:p>
             <a:fld id="{208BAEBE-8A8A-41D0-B459-86F9D49385FF}" type="datetime1">
               <a:rPr lang="en-US" smtClean="0"/>
-              <a:t>12/25/2020</a:t>
+              <a:t>12/26/2020</a:t>
             </a:fld>
             <a:endParaRPr lang="en-US"/>
           </a:p>
@@ -3060,7 +3060,7 @@
           <a:p>
             <a:fld id="{F3808C81-2296-4BD3-9C84-DC9CE241F72F}" type="datetime1">
               <a:rPr lang="en-US" smtClean="0"/>
-              <a:t>12/25/2020</a:t>
+              <a:t>12/26/2020</a:t>
             </a:fld>
             <a:endParaRPr lang="en-US"/>
           </a:p>
@@ -3301,7 +3301,7 @@
           <a:p>
             <a:fld id="{7B08BFBD-3D2F-408C-AAB2-D6FE89F751C1}" type="datetime1">
               <a:rPr lang="en-US" smtClean="0"/>
-              <a:t>12/25/2020</a:t>
+              <a:t>12/26/2020</a:t>
             </a:fld>
             <a:endParaRPr lang="en-US"/>
           </a:p>
@@ -14202,8 +14202,8 @@
           </a:p>
         </p:txBody>
       </p:sp>
-      <mc:AlternateContent xmlns:mc="http://schemas.openxmlformats.org/markup-compatibility/2006">
-        <mc:Choice xmlns:a14="http://schemas.microsoft.com/office/drawing/2010/main" Requires="a14">
+      <mc:AlternateContent xmlns:mc="http://schemas.openxmlformats.org/markup-compatibility/2006" xmlns:a14="http://schemas.microsoft.com/office/drawing/2010/main">
+        <mc:Choice Requires="a14">
           <p:sp>
             <p:nvSpPr>
               <p:cNvPr id="3" name="Content Placeholder 2">
@@ -14359,7 +14359,7 @@
             </p:txBody>
           </p:sp>
         </mc:Choice>
-        <mc:Fallback>
+        <mc:Fallback xmlns="">
           <p:sp>
             <p:nvSpPr>
               <p:cNvPr id="3" name="Content Placeholder 2">
@@ -14515,7 +14515,15 @@
             </a:pPr>
             <a:r>
               <a:rPr lang="tr-TR" sz="1800" dirty="0"/>
-              <a:t> Deneyde elde edeceğiniz kazanç, alacağınız kararlara bağlıdır ve kazancınızın ne şekilde belirleneceği bu yönergede detaylı bir şekilde açıklanmıştır.  Bu nedenle, yönergeyi dikkatle okumanız ve anlamanız önemlidir. Elde edeceğiniz kazancın ödemesi, sizin tercihinize göre, BELİS laboratuvarında nakit olarak veya şahsi banka hesabınıza deneyden sonra ilk iş gününde para transferi şeklinde yapılacaktır. Kazancınız hakkında diğer katılımcılara bilgi verilmeyecektir. </a:t>
+              <a:t> Deneyde elde edeceğiniz kazanç, alacağınız kararlara bağlıdır ve kazancınızın ne şekilde belirleneceği bu yönergede detaylı bir şekilde açıklanmıştır.  Bu nedenle, yönergeyi dikkatle okumanız ve anlamanız önemlidir. Elde edeceğiniz kazancın ödemesi, sizin tercihinize göre, BELİS laboratuvarında nakit olarak veya şahsi </a:t>
+            </a:r>
+            <a:r>
+              <a:rPr lang="tr-TR" sz="1800"/>
+              <a:t>banka para </a:t>
+            </a:r>
+            <a:r>
+              <a:rPr lang="tr-TR" sz="1800" dirty="0"/>
+              <a:t>transferi şeklinde yapılacaktır. Kazancınız hakkında diğer katılımcılara bilgi verilmeyecektir. </a:t>
             </a:r>
           </a:p>
           <a:p>
